--- a/templates/CARRE/CARRE-ppt/CARRE-Presentation-orange.pptx
+++ b/templates/CARRE/CARRE-ppt/CARRE-Presentation-orange.pptx
@@ -12,12 +12,12 @@
     <p:sldId id="270" r:id="rId3"/>
     <p:sldId id="287" r:id="rId4"/>
     <p:sldId id="289" r:id="rId5"/>
-    <p:sldId id="288" r:id="rId6"/>
-    <p:sldId id="271" r:id="rId7"/>
-    <p:sldId id="291" r:id="rId8"/>
-    <p:sldId id="293" r:id="rId9"/>
-    <p:sldId id="292" r:id="rId10"/>
-    <p:sldId id="294" r:id="rId11"/>
+    <p:sldId id="291" r:id="rId6"/>
+    <p:sldId id="293" r:id="rId7"/>
+    <p:sldId id="292" r:id="rId8"/>
+    <p:sldId id="294" r:id="rId9"/>
+    <p:sldId id="288" r:id="rId10"/>
+    <p:sldId id="271" r:id="rId11"/>
   </p:sldIdLst>
   <p:sldSz cx="12192000" cy="6858000"/>
   <p:notesSz cx="6858000" cy="9144000"/>
@@ -1076,37 +1076,38 @@
           <a:p>
             <a:pPr lvl="0"/>
             <a:r>
-              <a:rPr lang="en-US" dirty="0"/>
+              <a:rPr lang="en-US"/>
               <a:t>Click to edit Master text styles</a:t>
             </a:r>
           </a:p>
           <a:p>
             <a:pPr lvl="1"/>
             <a:r>
-              <a:rPr lang="en-US" dirty="0"/>
+              <a:rPr lang="en-US"/>
               <a:t>Second level</a:t>
             </a:r>
           </a:p>
           <a:p>
             <a:pPr lvl="2"/>
             <a:r>
-              <a:rPr lang="en-US" dirty="0"/>
+              <a:rPr lang="en-US"/>
               <a:t>Third level</a:t>
             </a:r>
           </a:p>
           <a:p>
             <a:pPr lvl="3"/>
             <a:r>
-              <a:rPr lang="en-US" dirty="0"/>
+              <a:rPr lang="en-US"/>
               <a:t>Fourth level</a:t>
             </a:r>
           </a:p>
           <a:p>
             <a:pPr lvl="4"/>
             <a:r>
-              <a:rPr lang="en-US" dirty="0"/>
+              <a:rPr lang="en-US"/>
               <a:t>Fifth level</a:t>
             </a:r>
+            <a:endParaRPr lang="en-US" dirty="0"/>
           </a:p>
         </p:txBody>
       </p:sp>
@@ -1345,9 +1346,10 @@
           <a:lstStyle/>
           <a:p>
             <a:r>
-              <a:rPr lang="en-US" dirty="0"/>
+              <a:rPr lang="en-US"/>
               <a:t>Click to edit Master title style</a:t>
             </a:r>
+            <a:endParaRPr lang="en-US" dirty="0"/>
           </a:p>
         </p:txBody>
       </p:sp>
@@ -1384,37 +1386,38 @@
           <a:p>
             <a:pPr lvl="0"/>
             <a:r>
-              <a:rPr lang="en-US" dirty="0"/>
+              <a:rPr lang="en-US"/>
               <a:t>Click to edit Master text styles</a:t>
             </a:r>
           </a:p>
           <a:p>
             <a:pPr lvl="1"/>
             <a:r>
-              <a:rPr lang="en-US" dirty="0"/>
+              <a:rPr lang="en-US"/>
               <a:t>Second level</a:t>
             </a:r>
           </a:p>
           <a:p>
             <a:pPr lvl="2"/>
             <a:r>
-              <a:rPr lang="en-US" dirty="0"/>
+              <a:rPr lang="en-US"/>
               <a:t>Third level</a:t>
             </a:r>
           </a:p>
           <a:p>
             <a:pPr lvl="3"/>
             <a:r>
-              <a:rPr lang="en-US" dirty="0"/>
+              <a:rPr lang="en-US"/>
               <a:t>Fourth level</a:t>
             </a:r>
           </a:p>
           <a:p>
             <a:pPr lvl="4"/>
             <a:r>
-              <a:rPr lang="en-US" dirty="0"/>
+              <a:rPr lang="en-US"/>
               <a:t>Fifth level</a:t>
             </a:r>
+            <a:endParaRPr lang="en-US" dirty="0"/>
           </a:p>
         </p:txBody>
       </p:sp>
@@ -2089,7 +2092,7 @@
         <p:cNvPr id="1" name="">
           <a:extLst>
             <a:ext uri="{FF2B5EF4-FFF2-40B4-BE49-F238E27FC236}">
-              <a16:creationId xmlns:a16="http://schemas.microsoft.com/office/drawing/2014/main" id="{E8887CBB-FB60-441D-2270-56208804E4D3}"/>
+              <a16:creationId xmlns:a16="http://schemas.microsoft.com/office/drawing/2014/main" id="{3D54A3D4-FAEC-EB09-33A8-12BD6917BECC}"/>
             </a:ext>
           </a:extLst>
         </p:cNvPr>
@@ -2109,7 +2112,7 @@
           <p:cNvPr id="2" name="Title 1">
             <a:extLst>
               <a:ext uri="{FF2B5EF4-FFF2-40B4-BE49-F238E27FC236}">
-                <a16:creationId xmlns:a16="http://schemas.microsoft.com/office/drawing/2014/main" id="{F6854580-3B41-6550-DF4B-A83A69973F0F}"/>
+                <a16:creationId xmlns:a16="http://schemas.microsoft.com/office/drawing/2014/main" id="{68267541-CE91-7F50-7B92-0D69DBFD4346}"/>
               </a:ext>
             </a:extLst>
           </p:cNvPr>
@@ -2122,9 +2125,7 @@
         </p:nvSpPr>
         <p:spPr/>
         <p:txBody>
-          <a:bodyPr>
-            <a:normAutofit fontScale="90000"/>
-          </a:bodyPr>
+          <a:bodyPr/>
           <a:lstStyle/>
           <a:p>
             <a:r>
@@ -2133,17 +2134,32 @@
                   <a:srgbClr val="F1491C"/>
                 </a:solidFill>
               </a:rPr>
-              <a:t>QR Codes – MCDC</a:t>
-            </a:r>
-          </a:p>
-        </p:txBody>
-      </p:sp>
-      <p:sp>
-        <p:nvSpPr>
-          <p:cNvPr id="5" name="Slide Number Placeholder 4">
-            <a:extLst>
-              <a:ext uri="{FF2B5EF4-FFF2-40B4-BE49-F238E27FC236}">
-                <a16:creationId xmlns:a16="http://schemas.microsoft.com/office/drawing/2014/main" id="{C0FEDE36-D344-A3DA-0062-1E377851BBA8}"/>
+              <a:t>Thank you!</a:t>
+            </a:r>
+            <a:br>
+              <a:rPr lang="en-US" dirty="0">
+                <a:solidFill>
+                  <a:srgbClr val="F1491C"/>
+                </a:solidFill>
+              </a:rPr>
+            </a:br>
+            <a:r>
+              <a:rPr lang="en-US" dirty="0">
+                <a:solidFill>
+                  <a:srgbClr val="F1491C"/>
+                </a:solidFill>
+              </a:rPr>
+              <a:t>Questions?</a:t>
+            </a:r>
+          </a:p>
+        </p:txBody>
+      </p:sp>
+      <p:sp>
+        <p:nvSpPr>
+          <p:cNvPr id="3" name="Slide Number Placeholder 2">
+            <a:extLst>
+              <a:ext uri="{FF2B5EF4-FFF2-40B4-BE49-F238E27FC236}">
+                <a16:creationId xmlns:a16="http://schemas.microsoft.com/office/drawing/2014/main" id="{218DC987-E731-0F39-3EEC-FEF6B1FB58FD}"/>
               </a:ext>
             </a:extLst>
           </p:cNvPr>
@@ -2167,222 +2183,10 @@
           </a:p>
         </p:txBody>
       </p:sp>
-      <p:sp>
-        <p:nvSpPr>
-          <p:cNvPr id="4" name="TextBox 3">
-            <a:extLst>
-              <a:ext uri="{FF2B5EF4-FFF2-40B4-BE49-F238E27FC236}">
-                <a16:creationId xmlns:a16="http://schemas.microsoft.com/office/drawing/2014/main" id="{0EC17764-17AA-176B-2EDB-7B13753A0567}"/>
-              </a:ext>
-            </a:extLst>
-          </p:cNvPr>
-          <p:cNvSpPr txBox="1"/>
-          <p:nvPr/>
-        </p:nvSpPr>
-        <p:spPr>
-          <a:xfrm>
-            <a:off x="1315521" y="2784355"/>
-            <a:ext cx="184731" cy="369332"/>
-          </a:xfrm>
-          <a:prstGeom prst="rect">
-            <a:avLst/>
-          </a:prstGeom>
-          <a:noFill/>
-        </p:spPr>
-        <p:txBody>
-          <a:bodyPr wrap="none" rtlCol="0">
-            <a:spAutoFit/>
-          </a:bodyPr>
-          <a:lstStyle/>
-          <a:p>
-            <a:endParaRPr lang="en-US" dirty="0"/>
-          </a:p>
-        </p:txBody>
-      </p:sp>
-      <p:pic>
-        <p:nvPicPr>
-          <p:cNvPr id="10" name="Picture 9" descr="A qr code with circles and circles&#10;&#10;AI-generated content may be incorrect.">
-            <a:extLst>
-              <a:ext uri="{FF2B5EF4-FFF2-40B4-BE49-F238E27FC236}">
-                <a16:creationId xmlns:a16="http://schemas.microsoft.com/office/drawing/2014/main" id="{DAF4D9A1-5BDF-2E61-BAE8-095E1E7414AF}"/>
-              </a:ext>
-            </a:extLst>
-          </p:cNvPr>
-          <p:cNvPicPr>
-            <a:picLocks noChangeAspect="1"/>
-          </p:cNvPicPr>
-          <p:nvPr/>
-        </p:nvPicPr>
-        <p:blipFill>
-          <a:blip r:embed="rId2">
-            <a:extLst>
-              <a:ext uri="{28A0092B-C50C-407E-A947-70E740481C1C}">
-                <a14:useLocalDpi xmlns:a14="http://schemas.microsoft.com/office/drawing/2010/main" val="0"/>
-              </a:ext>
-            </a:extLst>
-          </a:blip>
-          <a:stretch>
-            <a:fillRect/>
-          </a:stretch>
-        </p:blipFill>
-        <p:spPr>
-          <a:xfrm>
-            <a:off x="1747207" y="1133678"/>
-            <a:ext cx="2209114" cy="2209114"/>
-          </a:xfrm>
-          <a:prstGeom prst="rect">
-            <a:avLst/>
-          </a:prstGeom>
-        </p:spPr>
-      </p:pic>
-      <p:pic>
-        <p:nvPicPr>
-          <p:cNvPr id="14" name="Picture 13" descr="A qr code with blue squares&#10;&#10;AI-generated content may be incorrect.">
-            <a:extLst>
-              <a:ext uri="{FF2B5EF4-FFF2-40B4-BE49-F238E27FC236}">
-                <a16:creationId xmlns:a16="http://schemas.microsoft.com/office/drawing/2014/main" id="{31A327CE-9260-40A5-4DA5-0CD1057C034D}"/>
-              </a:ext>
-            </a:extLst>
-          </p:cNvPr>
-          <p:cNvPicPr>
-            <a:picLocks noChangeAspect="1"/>
-          </p:cNvPicPr>
-          <p:nvPr/>
-        </p:nvPicPr>
-        <p:blipFill>
-          <a:blip r:embed="rId3">
-            <a:extLst>
-              <a:ext uri="{28A0092B-C50C-407E-A947-70E740481C1C}">
-                <a14:useLocalDpi xmlns:a14="http://schemas.microsoft.com/office/drawing/2010/main" val="0"/>
-              </a:ext>
-            </a:extLst>
-          </a:blip>
-          <a:stretch>
-            <a:fillRect/>
-          </a:stretch>
-        </p:blipFill>
-        <p:spPr>
-          <a:xfrm>
-            <a:off x="3398892" y="3694595"/>
-            <a:ext cx="2209114" cy="2209114"/>
-          </a:xfrm>
-          <a:prstGeom prst="rect">
-            <a:avLst/>
-          </a:prstGeom>
-        </p:spPr>
-      </p:pic>
-      <p:pic>
-        <p:nvPicPr>
-          <p:cNvPr id="17" name="Picture 16" descr="A qr code with green squares&#10;&#10;AI-generated content may be incorrect.">
-            <a:extLst>
-              <a:ext uri="{FF2B5EF4-FFF2-40B4-BE49-F238E27FC236}">
-                <a16:creationId xmlns:a16="http://schemas.microsoft.com/office/drawing/2014/main" id="{249B9804-5685-522F-7D2D-CC63910DC5BD}"/>
-              </a:ext>
-            </a:extLst>
-          </p:cNvPr>
-          <p:cNvPicPr>
-            <a:picLocks noChangeAspect="1"/>
-          </p:cNvPicPr>
-          <p:nvPr/>
-        </p:nvPicPr>
-        <p:blipFill>
-          <a:blip r:embed="rId4">
-            <a:extLst>
-              <a:ext uri="{28A0092B-C50C-407E-A947-70E740481C1C}">
-                <a14:useLocalDpi xmlns:a14="http://schemas.microsoft.com/office/drawing/2010/main" val="0"/>
-              </a:ext>
-            </a:extLst>
-          </a:blip>
-          <a:stretch>
-            <a:fillRect/>
-          </a:stretch>
-        </p:blipFill>
-        <p:spPr>
-          <a:xfrm>
-            <a:off x="6720118" y="3694595"/>
-            <a:ext cx="2209114" cy="2209114"/>
-          </a:xfrm>
-          <a:prstGeom prst="rect">
-            <a:avLst/>
-          </a:prstGeom>
-        </p:spPr>
-      </p:pic>
-      <p:pic>
-        <p:nvPicPr>
-          <p:cNvPr id="19" name="Picture 18" descr="A qr code with orange circles and circles&#10;&#10;AI-generated content may be incorrect.">
-            <a:extLst>
-              <a:ext uri="{FF2B5EF4-FFF2-40B4-BE49-F238E27FC236}">
-                <a16:creationId xmlns:a16="http://schemas.microsoft.com/office/drawing/2014/main" id="{774A8DEA-B1DC-B0A7-5A80-B380F88AE652}"/>
-              </a:ext>
-            </a:extLst>
-          </p:cNvPr>
-          <p:cNvPicPr>
-            <a:picLocks noChangeAspect="1"/>
-          </p:cNvPicPr>
-          <p:nvPr/>
-        </p:nvPicPr>
-        <p:blipFill>
-          <a:blip r:embed="rId5">
-            <a:extLst>
-              <a:ext uri="{28A0092B-C50C-407E-A947-70E740481C1C}">
-                <a14:useLocalDpi xmlns:a14="http://schemas.microsoft.com/office/drawing/2010/main" val="0"/>
-              </a:ext>
-            </a:extLst>
-          </a:blip>
-          <a:stretch>
-            <a:fillRect/>
-          </a:stretch>
-        </p:blipFill>
-        <p:spPr>
-          <a:xfrm>
-            <a:off x="8371801" y="1133678"/>
-            <a:ext cx="2209114" cy="2209114"/>
-          </a:xfrm>
-          <a:prstGeom prst="rect">
-            <a:avLst/>
-          </a:prstGeom>
-        </p:spPr>
-      </p:pic>
-      <p:pic>
-        <p:nvPicPr>
-          <p:cNvPr id="21" name="Picture 20" descr="A qr code with red circles and circles&#10;&#10;AI-generated content may be incorrect.">
-            <a:extLst>
-              <a:ext uri="{FF2B5EF4-FFF2-40B4-BE49-F238E27FC236}">
-                <a16:creationId xmlns:a16="http://schemas.microsoft.com/office/drawing/2014/main" id="{9D9E2A27-2715-EFAC-B392-EA0A51F4732B}"/>
-              </a:ext>
-            </a:extLst>
-          </p:cNvPr>
-          <p:cNvPicPr>
-            <a:picLocks noChangeAspect="1"/>
-          </p:cNvPicPr>
-          <p:nvPr/>
-        </p:nvPicPr>
-        <p:blipFill>
-          <a:blip r:embed="rId6">
-            <a:extLst>
-              <a:ext uri="{28A0092B-C50C-407E-A947-70E740481C1C}">
-                <a14:useLocalDpi xmlns:a14="http://schemas.microsoft.com/office/drawing/2010/main" val="0"/>
-              </a:ext>
-            </a:extLst>
-          </a:blip>
-          <a:stretch>
-            <a:fillRect/>
-          </a:stretch>
-        </p:blipFill>
-        <p:spPr>
-          <a:xfrm>
-            <a:off x="5059504" y="1133678"/>
-            <a:ext cx="2209114" cy="2209114"/>
-          </a:xfrm>
-          <a:prstGeom prst="rect">
-            <a:avLst/>
-          </a:prstGeom>
-        </p:spPr>
-      </p:pic>
     </p:spTree>
     <p:extLst>
       <p:ext uri="{BB962C8B-B14F-4D97-AF65-F5344CB8AC3E}">
-        <p14:creationId xmlns:p14="http://schemas.microsoft.com/office/powerpoint/2010/main" val="3096851403"/>
+        <p14:creationId xmlns:p14="http://schemas.microsoft.com/office/powerpoint/2010/main" val="3396920934"/>
       </p:ext>
     </p:extLst>
   </p:cSld>
@@ -2956,298 +2760,6 @@
         <p:cNvPr id="1" name="">
           <a:extLst>
             <a:ext uri="{FF2B5EF4-FFF2-40B4-BE49-F238E27FC236}">
-              <a16:creationId xmlns:a16="http://schemas.microsoft.com/office/drawing/2014/main" id="{3E6BFCEF-984C-6AF4-E05F-7E37AF9E2415}"/>
-            </a:ext>
-          </a:extLst>
-        </p:cNvPr>
-        <p:cNvGrpSpPr/>
-        <p:nvPr/>
-      </p:nvGrpSpPr>
-      <p:grpSpPr>
-        <a:xfrm>
-          <a:off x="0" y="0"/>
-          <a:ext cx="0" cy="0"/>
-          <a:chOff x="0" y="0"/>
-          <a:chExt cx="0" cy="0"/>
-        </a:xfrm>
-      </p:grpSpPr>
-      <p:sp>
-        <p:nvSpPr>
-          <p:cNvPr id="2" name="Title 1">
-            <a:extLst>
-              <a:ext uri="{FF2B5EF4-FFF2-40B4-BE49-F238E27FC236}">
-                <a16:creationId xmlns:a16="http://schemas.microsoft.com/office/drawing/2014/main" id="{45504455-149C-135C-FFB6-7EF002B56189}"/>
-              </a:ext>
-            </a:extLst>
-          </p:cNvPr>
-          <p:cNvSpPr>
-            <a:spLocks noGrp="1"/>
-          </p:cNvSpPr>
-          <p:nvPr>
-            <p:ph type="title"/>
-          </p:nvPr>
-        </p:nvSpPr>
-        <p:spPr/>
-        <p:txBody>
-          <a:bodyPr>
-            <a:normAutofit fontScale="90000"/>
-          </a:bodyPr>
-          <a:lstStyle/>
-          <a:p>
-            <a:r>
-              <a:rPr lang="en-US" dirty="0">
-                <a:solidFill>
-                  <a:srgbClr val="F1491C"/>
-                </a:solidFill>
-              </a:rPr>
-              <a:t>Acknowledgements</a:t>
-            </a:r>
-          </a:p>
-        </p:txBody>
-      </p:sp>
-      <p:sp>
-        <p:nvSpPr>
-          <p:cNvPr id="3" name="Content Placeholder 2">
-            <a:extLst>
-              <a:ext uri="{FF2B5EF4-FFF2-40B4-BE49-F238E27FC236}">
-                <a16:creationId xmlns:a16="http://schemas.microsoft.com/office/drawing/2014/main" id="{0516D759-0762-1317-E5D6-B31567E68060}"/>
-              </a:ext>
-            </a:extLst>
-          </p:cNvPr>
-          <p:cNvSpPr>
-            <a:spLocks noGrp="1"/>
-          </p:cNvSpPr>
-          <p:nvPr>
-            <p:ph idx="1"/>
-          </p:nvPr>
-        </p:nvSpPr>
-        <p:spPr>
-          <a:xfrm>
-            <a:off x="402771" y="2991482"/>
-            <a:ext cx="11426372" cy="1094744"/>
-          </a:xfrm>
-        </p:spPr>
-        <p:txBody>
-          <a:bodyPr>
-            <a:normAutofit fontScale="92500"/>
-          </a:bodyPr>
-          <a:lstStyle/>
-          <a:p>
-            <a:pPr marL="0" indent="0" algn="ctr">
-              <a:lnSpc>
-                <a:spcPct val="120000"/>
-              </a:lnSpc>
-              <a:buNone/>
-            </a:pPr>
-            <a:r>
-              <a:rPr lang="en-US" b="0" i="0" dirty="0">
-                <a:solidFill>
-                  <a:srgbClr val="1F2328"/>
-                </a:solidFill>
-                <a:effectLst/>
-              </a:rPr>
-              <a:t>This work was supported by the Center for Advancing the Radiation Resilience of Electronics (CARRE), </a:t>
-            </a:r>
-            <a:br>
-              <a:rPr lang="en-US" b="0" i="0" dirty="0">
-                <a:solidFill>
-                  <a:srgbClr val="1F2328"/>
-                </a:solidFill>
-                <a:effectLst/>
-              </a:rPr>
-            </a:br>
-            <a:r>
-              <a:rPr lang="en-US" b="0" i="0" dirty="0">
-                <a:solidFill>
-                  <a:srgbClr val="1F2328"/>
-                </a:solidFill>
-                <a:effectLst/>
-              </a:rPr>
-              <a:t>a PSAAP-IV project funded by the Department of Energy, grant number: </a:t>
-            </a:r>
-            <a:br>
-              <a:rPr lang="en-US" b="0" i="0" dirty="0">
-                <a:solidFill>
-                  <a:srgbClr val="1F2328"/>
-                </a:solidFill>
-                <a:effectLst/>
-              </a:rPr>
-            </a:br>
-            <a:r>
-              <a:rPr lang="en-US" b="0" i="0" dirty="0">
-                <a:solidFill>
-                  <a:srgbClr val="1F2328"/>
-                </a:solidFill>
-                <a:effectLst/>
-              </a:rPr>
-              <a:t>DE-NA0004268.</a:t>
-            </a:r>
-            <a:endParaRPr lang="en-US" dirty="0"/>
-          </a:p>
-        </p:txBody>
-      </p:sp>
-      <p:sp>
-        <p:nvSpPr>
-          <p:cNvPr id="4" name="Slide Number Placeholder 3">
-            <a:extLst>
-              <a:ext uri="{FF2B5EF4-FFF2-40B4-BE49-F238E27FC236}">
-                <a16:creationId xmlns:a16="http://schemas.microsoft.com/office/drawing/2014/main" id="{B65409CD-A7D8-5273-ED2A-584867DBF63A}"/>
-              </a:ext>
-            </a:extLst>
-          </p:cNvPr>
-          <p:cNvSpPr>
-            <a:spLocks noGrp="1"/>
-          </p:cNvSpPr>
-          <p:nvPr>
-            <p:ph type="sldNum" sz="quarter" idx="12"/>
-          </p:nvPr>
-        </p:nvSpPr>
-        <p:spPr/>
-        <p:txBody>
-          <a:bodyPr/>
-          <a:lstStyle/>
-          <a:p>
-            <a:fld id="{A7B37A42-1143-48FC-B4BA-4801294DBEED}" type="slidenum">
-              <a:rPr lang="en-US" smtClean="0"/>
-              <a:t>5</a:t>
-            </a:fld>
-            <a:endParaRPr lang="en-US"/>
-          </a:p>
-        </p:txBody>
-      </p:sp>
-    </p:spTree>
-    <p:extLst>
-      <p:ext uri="{BB962C8B-B14F-4D97-AF65-F5344CB8AC3E}">
-        <p14:creationId xmlns:p14="http://schemas.microsoft.com/office/powerpoint/2010/main" val="713837490"/>
-      </p:ext>
-    </p:extLst>
-  </p:cSld>
-  <p:clrMapOvr>
-    <a:masterClrMapping/>
-  </p:clrMapOvr>
-</p:sld>
-</file>
-
-<file path=ppt/slides/slide6.xml><?xml version="1.0" encoding="utf-8"?>
-<p:sld xmlns:a="http://schemas.openxmlformats.org/drawingml/2006/main" xmlns:r="http://schemas.openxmlformats.org/officeDocument/2006/relationships" xmlns:p="http://schemas.openxmlformats.org/presentationml/2006/main">
-  <p:cSld>
-    <p:spTree>
-      <p:nvGrpSpPr>
-        <p:cNvPr id="1" name="">
-          <a:extLst>
-            <a:ext uri="{FF2B5EF4-FFF2-40B4-BE49-F238E27FC236}">
-              <a16:creationId xmlns:a16="http://schemas.microsoft.com/office/drawing/2014/main" id="{3D54A3D4-FAEC-EB09-33A8-12BD6917BECC}"/>
-            </a:ext>
-          </a:extLst>
-        </p:cNvPr>
-        <p:cNvGrpSpPr/>
-        <p:nvPr/>
-      </p:nvGrpSpPr>
-      <p:grpSpPr>
-        <a:xfrm>
-          <a:off x="0" y="0"/>
-          <a:ext cx="0" cy="0"/>
-          <a:chOff x="0" y="0"/>
-          <a:chExt cx="0" cy="0"/>
-        </a:xfrm>
-      </p:grpSpPr>
-      <p:sp>
-        <p:nvSpPr>
-          <p:cNvPr id="2" name="Title 1">
-            <a:extLst>
-              <a:ext uri="{FF2B5EF4-FFF2-40B4-BE49-F238E27FC236}">
-                <a16:creationId xmlns:a16="http://schemas.microsoft.com/office/drawing/2014/main" id="{68267541-CE91-7F50-7B92-0D69DBFD4346}"/>
-              </a:ext>
-            </a:extLst>
-          </p:cNvPr>
-          <p:cNvSpPr>
-            <a:spLocks noGrp="1"/>
-          </p:cNvSpPr>
-          <p:nvPr>
-            <p:ph type="title"/>
-          </p:nvPr>
-        </p:nvSpPr>
-        <p:spPr/>
-        <p:txBody>
-          <a:bodyPr/>
-          <a:lstStyle/>
-          <a:p>
-            <a:r>
-              <a:rPr lang="en-US" dirty="0">
-                <a:solidFill>
-                  <a:srgbClr val="F1491C"/>
-                </a:solidFill>
-              </a:rPr>
-              <a:t>Thank you!</a:t>
-            </a:r>
-            <a:br>
-              <a:rPr lang="en-US" dirty="0">
-                <a:solidFill>
-                  <a:srgbClr val="F1491C"/>
-                </a:solidFill>
-              </a:rPr>
-            </a:br>
-            <a:r>
-              <a:rPr lang="en-US" dirty="0">
-                <a:solidFill>
-                  <a:srgbClr val="F1491C"/>
-                </a:solidFill>
-              </a:rPr>
-              <a:t>Questions?</a:t>
-            </a:r>
-          </a:p>
-        </p:txBody>
-      </p:sp>
-      <p:sp>
-        <p:nvSpPr>
-          <p:cNvPr id="3" name="Slide Number Placeholder 2">
-            <a:extLst>
-              <a:ext uri="{FF2B5EF4-FFF2-40B4-BE49-F238E27FC236}">
-                <a16:creationId xmlns:a16="http://schemas.microsoft.com/office/drawing/2014/main" id="{218DC987-E731-0F39-3EEC-FEF6B1FB58FD}"/>
-              </a:ext>
-            </a:extLst>
-          </p:cNvPr>
-          <p:cNvSpPr>
-            <a:spLocks noGrp="1"/>
-          </p:cNvSpPr>
-          <p:nvPr>
-            <p:ph type="sldNum" sz="quarter" idx="12"/>
-          </p:nvPr>
-        </p:nvSpPr>
-        <p:spPr/>
-        <p:txBody>
-          <a:bodyPr/>
-          <a:lstStyle/>
-          <a:p>
-            <a:fld id="{A7B37A42-1143-48FC-B4BA-4801294DBEED}" type="slidenum">
-              <a:rPr lang="en-US" smtClean="0"/>
-              <a:t>6</a:t>
-            </a:fld>
-            <a:endParaRPr lang="en-US"/>
-          </a:p>
-        </p:txBody>
-      </p:sp>
-    </p:spTree>
-    <p:extLst>
-      <p:ext uri="{BB962C8B-B14F-4D97-AF65-F5344CB8AC3E}">
-        <p14:creationId xmlns:p14="http://schemas.microsoft.com/office/powerpoint/2010/main" val="3396920934"/>
-      </p:ext>
-    </p:extLst>
-  </p:cSld>
-  <p:clrMapOvr>
-    <a:masterClrMapping/>
-  </p:clrMapOvr>
-</p:sld>
-</file>
-
-<file path=ppt/slides/slide7.xml><?xml version="1.0" encoding="utf-8"?>
-<p:sld xmlns:a="http://schemas.openxmlformats.org/drawingml/2006/main" xmlns:r="http://schemas.openxmlformats.org/officeDocument/2006/relationships" xmlns:p="http://schemas.openxmlformats.org/presentationml/2006/main">
-  <p:cSld>
-    <p:spTree>
-      <p:nvGrpSpPr>
-        <p:cNvPr id="1" name="">
-          <a:extLst>
-            <a:ext uri="{FF2B5EF4-FFF2-40B4-BE49-F238E27FC236}">
               <a16:creationId xmlns:a16="http://schemas.microsoft.com/office/drawing/2014/main" id="{07966FEB-BFB4-9748-3A8A-AA10ED0AAF46}"/>
             </a:ext>
           </a:extLst>
@@ -3320,7 +2832,7 @@
           <a:p>
             <a:fld id="{A7B37A42-1143-48FC-B4BA-4801294DBEED}" type="slidenum">
               <a:rPr lang="en-US" smtClean="0"/>
-              <a:t>7</a:t>
+              <a:t>5</a:t>
             </a:fld>
             <a:endParaRPr lang="en-US"/>
           </a:p>
@@ -3515,7 +3027,7 @@
 </p:sld>
 </file>
 
-<file path=ppt/slides/slide8.xml><?xml version="1.0" encoding="utf-8"?>
+<file path=ppt/slides/slide6.xml><?xml version="1.0" encoding="utf-8"?>
 <p:sld xmlns:a="http://schemas.openxmlformats.org/drawingml/2006/main" xmlns:r="http://schemas.openxmlformats.org/officeDocument/2006/relationships" xmlns:p="http://schemas.openxmlformats.org/presentationml/2006/main">
   <p:cSld>
     <p:spTree>
@@ -3595,7 +3107,7 @@
           <a:p>
             <a:fld id="{A7B37A42-1143-48FC-B4BA-4801294DBEED}" type="slidenum">
               <a:rPr lang="en-US" smtClean="0"/>
-              <a:t>8</a:t>
+              <a:t>6</a:t>
             </a:fld>
             <a:endParaRPr lang="en-US"/>
           </a:p>
@@ -3898,7 +3410,7 @@
 </p:sld>
 </file>
 
-<file path=ppt/slides/slide9.xml><?xml version="1.0" encoding="utf-8"?>
+<file path=ppt/slides/slide7.xml><?xml version="1.0" encoding="utf-8"?>
 <p:sld xmlns:a="http://schemas.openxmlformats.org/drawingml/2006/main" xmlns:r="http://schemas.openxmlformats.org/officeDocument/2006/relationships" xmlns:p="http://schemas.openxmlformats.org/presentationml/2006/main">
   <p:cSld>
     <p:spTree>
@@ -4013,7 +3525,7 @@
           <a:p>
             <a:fld id="{A7B37A42-1143-48FC-B4BA-4801294DBEED}" type="slidenum">
               <a:rPr lang="en-US" smtClean="0"/>
-              <a:t>9</a:t>
+              <a:t>7</a:t>
             </a:fld>
             <a:endParaRPr lang="en-US"/>
           </a:p>
@@ -4199,6 +3711,497 @@
     <p:extLst>
       <p:ext uri="{BB962C8B-B14F-4D97-AF65-F5344CB8AC3E}">
         <p14:creationId xmlns:p14="http://schemas.microsoft.com/office/powerpoint/2010/main" val="3002837733"/>
+      </p:ext>
+    </p:extLst>
+  </p:cSld>
+  <p:clrMapOvr>
+    <a:masterClrMapping/>
+  </p:clrMapOvr>
+</p:sld>
+</file>
+
+<file path=ppt/slides/slide8.xml><?xml version="1.0" encoding="utf-8"?>
+<p:sld xmlns:a="http://schemas.openxmlformats.org/drawingml/2006/main" xmlns:r="http://schemas.openxmlformats.org/officeDocument/2006/relationships" xmlns:p="http://schemas.openxmlformats.org/presentationml/2006/main">
+  <p:cSld>
+    <p:spTree>
+      <p:nvGrpSpPr>
+        <p:cNvPr id="1" name="">
+          <a:extLst>
+            <a:ext uri="{FF2B5EF4-FFF2-40B4-BE49-F238E27FC236}">
+              <a16:creationId xmlns:a16="http://schemas.microsoft.com/office/drawing/2014/main" id="{E8887CBB-FB60-441D-2270-56208804E4D3}"/>
+            </a:ext>
+          </a:extLst>
+        </p:cNvPr>
+        <p:cNvGrpSpPr/>
+        <p:nvPr/>
+      </p:nvGrpSpPr>
+      <p:grpSpPr>
+        <a:xfrm>
+          <a:off x="0" y="0"/>
+          <a:ext cx="0" cy="0"/>
+          <a:chOff x="0" y="0"/>
+          <a:chExt cx="0" cy="0"/>
+        </a:xfrm>
+      </p:grpSpPr>
+      <p:sp>
+        <p:nvSpPr>
+          <p:cNvPr id="2" name="Title 1">
+            <a:extLst>
+              <a:ext uri="{FF2B5EF4-FFF2-40B4-BE49-F238E27FC236}">
+                <a16:creationId xmlns:a16="http://schemas.microsoft.com/office/drawing/2014/main" id="{F6854580-3B41-6550-DF4B-A83A69973F0F}"/>
+              </a:ext>
+            </a:extLst>
+          </p:cNvPr>
+          <p:cNvSpPr>
+            <a:spLocks noGrp="1"/>
+          </p:cNvSpPr>
+          <p:nvPr>
+            <p:ph type="title"/>
+          </p:nvPr>
+        </p:nvSpPr>
+        <p:spPr/>
+        <p:txBody>
+          <a:bodyPr>
+            <a:normAutofit fontScale="90000"/>
+          </a:bodyPr>
+          <a:lstStyle/>
+          <a:p>
+            <a:r>
+              <a:rPr lang="en-US" dirty="0">
+                <a:solidFill>
+                  <a:srgbClr val="F1491C"/>
+                </a:solidFill>
+              </a:rPr>
+              <a:t>QR Codes – MCDC</a:t>
+            </a:r>
+          </a:p>
+        </p:txBody>
+      </p:sp>
+      <p:sp>
+        <p:nvSpPr>
+          <p:cNvPr id="5" name="Slide Number Placeholder 4">
+            <a:extLst>
+              <a:ext uri="{FF2B5EF4-FFF2-40B4-BE49-F238E27FC236}">
+                <a16:creationId xmlns:a16="http://schemas.microsoft.com/office/drawing/2014/main" id="{C0FEDE36-D344-A3DA-0062-1E377851BBA8}"/>
+              </a:ext>
+            </a:extLst>
+          </p:cNvPr>
+          <p:cNvSpPr>
+            <a:spLocks noGrp="1"/>
+          </p:cNvSpPr>
+          <p:nvPr>
+            <p:ph type="sldNum" sz="quarter" idx="12"/>
+          </p:nvPr>
+        </p:nvSpPr>
+        <p:spPr/>
+        <p:txBody>
+          <a:bodyPr/>
+          <a:lstStyle/>
+          <a:p>
+            <a:fld id="{A7B37A42-1143-48FC-B4BA-4801294DBEED}" type="slidenum">
+              <a:rPr lang="en-US" smtClean="0"/>
+              <a:t>8</a:t>
+            </a:fld>
+            <a:endParaRPr lang="en-US"/>
+          </a:p>
+        </p:txBody>
+      </p:sp>
+      <p:sp>
+        <p:nvSpPr>
+          <p:cNvPr id="4" name="TextBox 3">
+            <a:extLst>
+              <a:ext uri="{FF2B5EF4-FFF2-40B4-BE49-F238E27FC236}">
+                <a16:creationId xmlns:a16="http://schemas.microsoft.com/office/drawing/2014/main" id="{0EC17764-17AA-176B-2EDB-7B13753A0567}"/>
+              </a:ext>
+            </a:extLst>
+          </p:cNvPr>
+          <p:cNvSpPr txBox="1"/>
+          <p:nvPr/>
+        </p:nvSpPr>
+        <p:spPr>
+          <a:xfrm>
+            <a:off x="1315521" y="2784355"/>
+            <a:ext cx="184731" cy="369332"/>
+          </a:xfrm>
+          <a:prstGeom prst="rect">
+            <a:avLst/>
+          </a:prstGeom>
+          <a:noFill/>
+        </p:spPr>
+        <p:txBody>
+          <a:bodyPr wrap="none" rtlCol="0">
+            <a:spAutoFit/>
+          </a:bodyPr>
+          <a:lstStyle/>
+          <a:p>
+            <a:endParaRPr lang="en-US" dirty="0"/>
+          </a:p>
+        </p:txBody>
+      </p:sp>
+      <p:pic>
+        <p:nvPicPr>
+          <p:cNvPr id="10" name="Picture 9" descr="A qr code with circles and circles&#10;&#10;AI-generated content may be incorrect.">
+            <a:extLst>
+              <a:ext uri="{FF2B5EF4-FFF2-40B4-BE49-F238E27FC236}">
+                <a16:creationId xmlns:a16="http://schemas.microsoft.com/office/drawing/2014/main" id="{DAF4D9A1-5BDF-2E61-BAE8-095E1E7414AF}"/>
+              </a:ext>
+            </a:extLst>
+          </p:cNvPr>
+          <p:cNvPicPr>
+            <a:picLocks noChangeAspect="1"/>
+          </p:cNvPicPr>
+          <p:nvPr/>
+        </p:nvPicPr>
+        <p:blipFill>
+          <a:blip r:embed="rId2">
+            <a:extLst>
+              <a:ext uri="{28A0092B-C50C-407E-A947-70E740481C1C}">
+                <a14:useLocalDpi xmlns:a14="http://schemas.microsoft.com/office/drawing/2010/main" val="0"/>
+              </a:ext>
+            </a:extLst>
+          </a:blip>
+          <a:stretch>
+            <a:fillRect/>
+          </a:stretch>
+        </p:blipFill>
+        <p:spPr>
+          <a:xfrm>
+            <a:off x="1747207" y="1133678"/>
+            <a:ext cx="2209114" cy="2209114"/>
+          </a:xfrm>
+          <a:prstGeom prst="rect">
+            <a:avLst/>
+          </a:prstGeom>
+        </p:spPr>
+      </p:pic>
+      <p:pic>
+        <p:nvPicPr>
+          <p:cNvPr id="14" name="Picture 13" descr="A qr code with blue squares&#10;&#10;AI-generated content may be incorrect.">
+            <a:extLst>
+              <a:ext uri="{FF2B5EF4-FFF2-40B4-BE49-F238E27FC236}">
+                <a16:creationId xmlns:a16="http://schemas.microsoft.com/office/drawing/2014/main" id="{31A327CE-9260-40A5-4DA5-0CD1057C034D}"/>
+              </a:ext>
+            </a:extLst>
+          </p:cNvPr>
+          <p:cNvPicPr>
+            <a:picLocks noChangeAspect="1"/>
+          </p:cNvPicPr>
+          <p:nvPr/>
+        </p:nvPicPr>
+        <p:blipFill>
+          <a:blip r:embed="rId3">
+            <a:extLst>
+              <a:ext uri="{28A0092B-C50C-407E-A947-70E740481C1C}">
+                <a14:useLocalDpi xmlns:a14="http://schemas.microsoft.com/office/drawing/2010/main" val="0"/>
+              </a:ext>
+            </a:extLst>
+          </a:blip>
+          <a:stretch>
+            <a:fillRect/>
+          </a:stretch>
+        </p:blipFill>
+        <p:spPr>
+          <a:xfrm>
+            <a:off x="3398892" y="3694595"/>
+            <a:ext cx="2209114" cy="2209114"/>
+          </a:xfrm>
+          <a:prstGeom prst="rect">
+            <a:avLst/>
+          </a:prstGeom>
+        </p:spPr>
+      </p:pic>
+      <p:pic>
+        <p:nvPicPr>
+          <p:cNvPr id="17" name="Picture 16" descr="A qr code with green squares&#10;&#10;AI-generated content may be incorrect.">
+            <a:extLst>
+              <a:ext uri="{FF2B5EF4-FFF2-40B4-BE49-F238E27FC236}">
+                <a16:creationId xmlns:a16="http://schemas.microsoft.com/office/drawing/2014/main" id="{249B9804-5685-522F-7D2D-CC63910DC5BD}"/>
+              </a:ext>
+            </a:extLst>
+          </p:cNvPr>
+          <p:cNvPicPr>
+            <a:picLocks noChangeAspect="1"/>
+          </p:cNvPicPr>
+          <p:nvPr/>
+        </p:nvPicPr>
+        <p:blipFill>
+          <a:blip r:embed="rId4">
+            <a:extLst>
+              <a:ext uri="{28A0092B-C50C-407E-A947-70E740481C1C}">
+                <a14:useLocalDpi xmlns:a14="http://schemas.microsoft.com/office/drawing/2010/main" val="0"/>
+              </a:ext>
+            </a:extLst>
+          </a:blip>
+          <a:stretch>
+            <a:fillRect/>
+          </a:stretch>
+        </p:blipFill>
+        <p:spPr>
+          <a:xfrm>
+            <a:off x="6720118" y="3694595"/>
+            <a:ext cx="2209114" cy="2209114"/>
+          </a:xfrm>
+          <a:prstGeom prst="rect">
+            <a:avLst/>
+          </a:prstGeom>
+        </p:spPr>
+      </p:pic>
+      <p:pic>
+        <p:nvPicPr>
+          <p:cNvPr id="19" name="Picture 18" descr="A qr code with orange circles and circles&#10;&#10;AI-generated content may be incorrect.">
+            <a:extLst>
+              <a:ext uri="{FF2B5EF4-FFF2-40B4-BE49-F238E27FC236}">
+                <a16:creationId xmlns:a16="http://schemas.microsoft.com/office/drawing/2014/main" id="{774A8DEA-B1DC-B0A7-5A80-B380F88AE652}"/>
+              </a:ext>
+            </a:extLst>
+          </p:cNvPr>
+          <p:cNvPicPr>
+            <a:picLocks noChangeAspect="1"/>
+          </p:cNvPicPr>
+          <p:nvPr/>
+        </p:nvPicPr>
+        <p:blipFill>
+          <a:blip r:embed="rId5">
+            <a:extLst>
+              <a:ext uri="{28A0092B-C50C-407E-A947-70E740481C1C}">
+                <a14:useLocalDpi xmlns:a14="http://schemas.microsoft.com/office/drawing/2010/main" val="0"/>
+              </a:ext>
+            </a:extLst>
+          </a:blip>
+          <a:stretch>
+            <a:fillRect/>
+          </a:stretch>
+        </p:blipFill>
+        <p:spPr>
+          <a:xfrm>
+            <a:off x="8371801" y="1133678"/>
+            <a:ext cx="2209114" cy="2209114"/>
+          </a:xfrm>
+          <a:prstGeom prst="rect">
+            <a:avLst/>
+          </a:prstGeom>
+        </p:spPr>
+      </p:pic>
+      <p:pic>
+        <p:nvPicPr>
+          <p:cNvPr id="21" name="Picture 20" descr="A qr code with red circles and circles&#10;&#10;AI-generated content may be incorrect.">
+            <a:extLst>
+              <a:ext uri="{FF2B5EF4-FFF2-40B4-BE49-F238E27FC236}">
+                <a16:creationId xmlns:a16="http://schemas.microsoft.com/office/drawing/2014/main" id="{9D9E2A27-2715-EFAC-B392-EA0A51F4732B}"/>
+              </a:ext>
+            </a:extLst>
+          </p:cNvPr>
+          <p:cNvPicPr>
+            <a:picLocks noChangeAspect="1"/>
+          </p:cNvPicPr>
+          <p:nvPr/>
+        </p:nvPicPr>
+        <p:blipFill>
+          <a:blip r:embed="rId6">
+            <a:extLst>
+              <a:ext uri="{28A0092B-C50C-407E-A947-70E740481C1C}">
+                <a14:useLocalDpi xmlns:a14="http://schemas.microsoft.com/office/drawing/2010/main" val="0"/>
+              </a:ext>
+            </a:extLst>
+          </a:blip>
+          <a:stretch>
+            <a:fillRect/>
+          </a:stretch>
+        </p:blipFill>
+        <p:spPr>
+          <a:xfrm>
+            <a:off x="5059504" y="1133678"/>
+            <a:ext cx="2209114" cy="2209114"/>
+          </a:xfrm>
+          <a:prstGeom prst="rect">
+            <a:avLst/>
+          </a:prstGeom>
+        </p:spPr>
+      </p:pic>
+    </p:spTree>
+    <p:extLst>
+      <p:ext uri="{BB962C8B-B14F-4D97-AF65-F5344CB8AC3E}">
+        <p14:creationId xmlns:p14="http://schemas.microsoft.com/office/powerpoint/2010/main" val="3096851403"/>
+      </p:ext>
+    </p:extLst>
+  </p:cSld>
+  <p:clrMapOvr>
+    <a:masterClrMapping/>
+  </p:clrMapOvr>
+</p:sld>
+</file>
+
+<file path=ppt/slides/slide9.xml><?xml version="1.0" encoding="utf-8"?>
+<p:sld xmlns:a="http://schemas.openxmlformats.org/drawingml/2006/main" xmlns:r="http://schemas.openxmlformats.org/officeDocument/2006/relationships" xmlns:p="http://schemas.openxmlformats.org/presentationml/2006/main">
+  <p:cSld>
+    <p:spTree>
+      <p:nvGrpSpPr>
+        <p:cNvPr id="1" name="">
+          <a:extLst>
+            <a:ext uri="{FF2B5EF4-FFF2-40B4-BE49-F238E27FC236}">
+              <a16:creationId xmlns:a16="http://schemas.microsoft.com/office/drawing/2014/main" id="{3E6BFCEF-984C-6AF4-E05F-7E37AF9E2415}"/>
+            </a:ext>
+          </a:extLst>
+        </p:cNvPr>
+        <p:cNvGrpSpPr/>
+        <p:nvPr/>
+      </p:nvGrpSpPr>
+      <p:grpSpPr>
+        <a:xfrm>
+          <a:off x="0" y="0"/>
+          <a:ext cx="0" cy="0"/>
+          <a:chOff x="0" y="0"/>
+          <a:chExt cx="0" cy="0"/>
+        </a:xfrm>
+      </p:grpSpPr>
+      <p:sp>
+        <p:nvSpPr>
+          <p:cNvPr id="2" name="Title 1">
+            <a:extLst>
+              <a:ext uri="{FF2B5EF4-FFF2-40B4-BE49-F238E27FC236}">
+                <a16:creationId xmlns:a16="http://schemas.microsoft.com/office/drawing/2014/main" id="{45504455-149C-135C-FFB6-7EF002B56189}"/>
+              </a:ext>
+            </a:extLst>
+          </p:cNvPr>
+          <p:cNvSpPr>
+            <a:spLocks noGrp="1"/>
+          </p:cNvSpPr>
+          <p:nvPr>
+            <p:ph type="title"/>
+          </p:nvPr>
+        </p:nvSpPr>
+        <p:spPr/>
+        <p:txBody>
+          <a:bodyPr>
+            <a:normAutofit fontScale="90000"/>
+          </a:bodyPr>
+          <a:lstStyle/>
+          <a:p>
+            <a:r>
+              <a:rPr lang="en-US" dirty="0">
+                <a:solidFill>
+                  <a:srgbClr val="F1491C"/>
+                </a:solidFill>
+              </a:rPr>
+              <a:t>Acknowledgements</a:t>
+            </a:r>
+          </a:p>
+        </p:txBody>
+      </p:sp>
+      <p:sp>
+        <p:nvSpPr>
+          <p:cNvPr id="3" name="Content Placeholder 2">
+            <a:extLst>
+              <a:ext uri="{FF2B5EF4-FFF2-40B4-BE49-F238E27FC236}">
+                <a16:creationId xmlns:a16="http://schemas.microsoft.com/office/drawing/2014/main" id="{0516D759-0762-1317-E5D6-B31567E68060}"/>
+              </a:ext>
+            </a:extLst>
+          </p:cNvPr>
+          <p:cNvSpPr>
+            <a:spLocks noGrp="1"/>
+          </p:cNvSpPr>
+          <p:nvPr>
+            <p:ph idx="1"/>
+          </p:nvPr>
+        </p:nvSpPr>
+        <p:spPr>
+          <a:xfrm>
+            <a:off x="402771" y="2991482"/>
+            <a:ext cx="11426372" cy="1094744"/>
+          </a:xfrm>
+        </p:spPr>
+        <p:txBody>
+          <a:bodyPr>
+            <a:normAutofit fontScale="92500"/>
+          </a:bodyPr>
+          <a:lstStyle/>
+          <a:p>
+            <a:pPr marL="0" indent="0" algn="ctr">
+              <a:lnSpc>
+                <a:spcPct val="120000"/>
+              </a:lnSpc>
+              <a:buNone/>
+            </a:pPr>
+            <a:r>
+              <a:rPr lang="en-US" b="0" i="0" dirty="0">
+                <a:solidFill>
+                  <a:srgbClr val="1F2328"/>
+                </a:solidFill>
+                <a:effectLst/>
+              </a:rPr>
+              <a:t>This work was supported by the Center for Advancing the Radiation Resilience of Electronics (CARRE), </a:t>
+            </a:r>
+            <a:br>
+              <a:rPr lang="en-US" b="0" i="0" dirty="0">
+                <a:solidFill>
+                  <a:srgbClr val="1F2328"/>
+                </a:solidFill>
+                <a:effectLst/>
+              </a:rPr>
+            </a:br>
+            <a:r>
+              <a:rPr lang="en-US" b="0" i="0" dirty="0">
+                <a:solidFill>
+                  <a:srgbClr val="1F2328"/>
+                </a:solidFill>
+                <a:effectLst/>
+              </a:rPr>
+              <a:t>a PSAAP-IV project funded by the Department of Energy, grant number: </a:t>
+            </a:r>
+            <a:br>
+              <a:rPr lang="en-US" b="0" i="0" dirty="0">
+                <a:solidFill>
+                  <a:srgbClr val="1F2328"/>
+                </a:solidFill>
+                <a:effectLst/>
+              </a:rPr>
+            </a:br>
+            <a:r>
+              <a:rPr lang="en-US" b="0" i="0" dirty="0">
+                <a:solidFill>
+                  <a:srgbClr val="1F2328"/>
+                </a:solidFill>
+                <a:effectLst/>
+              </a:rPr>
+              <a:t>DE-NA0004268.</a:t>
+            </a:r>
+            <a:endParaRPr lang="en-US" dirty="0"/>
+          </a:p>
+        </p:txBody>
+      </p:sp>
+      <p:sp>
+        <p:nvSpPr>
+          <p:cNvPr id="4" name="Slide Number Placeholder 3">
+            <a:extLst>
+              <a:ext uri="{FF2B5EF4-FFF2-40B4-BE49-F238E27FC236}">
+                <a16:creationId xmlns:a16="http://schemas.microsoft.com/office/drawing/2014/main" id="{B65409CD-A7D8-5273-ED2A-584867DBF63A}"/>
+              </a:ext>
+            </a:extLst>
+          </p:cNvPr>
+          <p:cNvSpPr>
+            <a:spLocks noGrp="1"/>
+          </p:cNvSpPr>
+          <p:nvPr>
+            <p:ph type="sldNum" sz="quarter" idx="12"/>
+          </p:nvPr>
+        </p:nvSpPr>
+        <p:spPr/>
+        <p:txBody>
+          <a:bodyPr/>
+          <a:lstStyle/>
+          <a:p>
+            <a:fld id="{A7B37A42-1143-48FC-B4BA-4801294DBEED}" type="slidenum">
+              <a:rPr lang="en-US" smtClean="0"/>
+              <a:t>9</a:t>
+            </a:fld>
+            <a:endParaRPr lang="en-US"/>
+          </a:p>
+        </p:txBody>
+      </p:sp>
+    </p:spTree>
+    <p:extLst>
+      <p:ext uri="{BB962C8B-B14F-4D97-AF65-F5344CB8AC3E}">
+        <p14:creationId xmlns:p14="http://schemas.microsoft.com/office/powerpoint/2010/main" val="713837490"/>
       </p:ext>
     </p:extLst>
   </p:cSld>
